--- a/HW_Less_5_1.2.pptx
+++ b/HW_Less_5_1.2.pptx
@@ -5,9 +5,10 @@
     <p:sldMasterId id="2147483648" r:id="rId1"/>
   </p:sldMasterIdLst>
   <p:sldIdLst>
-    <p:sldId id="256" r:id="rId2"/>
-    <p:sldId id="257" r:id="rId3"/>
-    <p:sldId id="258" r:id="rId4"/>
+    <p:sldId id="257" r:id="rId2"/>
+    <p:sldId id="258" r:id="rId3"/>
+    <p:sldId id="259" r:id="rId4"/>
+    <p:sldId id="260" r:id="rId5"/>
   </p:sldIdLst>
   <p:sldSz cx="12192000" cy="6858000"/>
   <p:notesSz cx="6858000" cy="9144000"/>
@@ -131,7 +132,7 @@
           <p:cNvPr id="2" name="Заголовок 1">
             <a:extLst>
               <a:ext uri="{FF2B5EF4-FFF2-40B4-BE49-F238E27FC236}">
-                <a16:creationId xmlns:a16="http://schemas.microsoft.com/office/drawing/2014/main" id="{A33A32CB-FECF-48D6-A82C-A2FAE37FD5A1}"/>
+                <a16:creationId xmlns:a16="http://schemas.microsoft.com/office/drawing/2014/main" id="{E847F893-FCA8-4E7A-8425-EEB4895381BB}"/>
               </a:ext>
             </a:extLst>
           </p:cNvPr>
@@ -168,7 +169,7 @@
           <p:cNvPr id="3" name="Подзаголовок 2">
             <a:extLst>
               <a:ext uri="{FF2B5EF4-FFF2-40B4-BE49-F238E27FC236}">
-                <a16:creationId xmlns:a16="http://schemas.microsoft.com/office/drawing/2014/main" id="{6C082420-19A2-4ECF-8B13-7B7BBADE8A8F}"/>
+                <a16:creationId xmlns:a16="http://schemas.microsoft.com/office/drawing/2014/main" id="{9060BD2C-25F9-4CFB-96E0-A8EAD0011404}"/>
               </a:ext>
             </a:extLst>
           </p:cNvPr>
@@ -238,7 +239,7 @@
           <p:cNvPr id="4" name="Дата 3">
             <a:extLst>
               <a:ext uri="{FF2B5EF4-FFF2-40B4-BE49-F238E27FC236}">
-                <a16:creationId xmlns:a16="http://schemas.microsoft.com/office/drawing/2014/main" id="{2856BE13-342A-473C-93B7-ABEC3B7B19C3}"/>
+                <a16:creationId xmlns:a16="http://schemas.microsoft.com/office/drawing/2014/main" id="{DD4C5B02-088E-4106-857A-96211A6C3E01}"/>
               </a:ext>
             </a:extLst>
           </p:cNvPr>
@@ -254,7 +255,7 @@
           <a:bodyPr/>
           <a:lstStyle/>
           <a:p>
-            <a:fld id="{590CF094-318B-456D-9B9D-F2E4E54F1251}" type="datetimeFigureOut">
+            <a:fld id="{360F9FAF-2ACE-4028-A3D2-5ECE18021B86}" type="datetimeFigureOut">
               <a:rPr lang="ru-RU" smtClean="0"/>
               <a:t>20.02.2021</a:t>
             </a:fld>
@@ -267,7 +268,7 @@
           <p:cNvPr id="5" name="Нижний колонтитул 4">
             <a:extLst>
               <a:ext uri="{FF2B5EF4-FFF2-40B4-BE49-F238E27FC236}">
-                <a16:creationId xmlns:a16="http://schemas.microsoft.com/office/drawing/2014/main" id="{E5F0F886-C4AA-4837-AF65-F12CE7525335}"/>
+                <a16:creationId xmlns:a16="http://schemas.microsoft.com/office/drawing/2014/main" id="{CC49275F-9B88-4F54-8A5B-CDA5E09661A1}"/>
               </a:ext>
             </a:extLst>
           </p:cNvPr>
@@ -292,7 +293,7 @@
           <p:cNvPr id="6" name="Номер слайда 5">
             <a:extLst>
               <a:ext uri="{FF2B5EF4-FFF2-40B4-BE49-F238E27FC236}">
-                <a16:creationId xmlns:a16="http://schemas.microsoft.com/office/drawing/2014/main" id="{60E93565-C392-4249-B5F8-E5F38CDB90BB}"/>
+                <a16:creationId xmlns:a16="http://schemas.microsoft.com/office/drawing/2014/main" id="{712E7792-9866-49B6-B004-4401EECDED76}"/>
               </a:ext>
             </a:extLst>
           </p:cNvPr>
@@ -308,7 +309,7 @@
           <a:bodyPr/>
           <a:lstStyle/>
           <a:p>
-            <a:fld id="{1841D2A1-D0EC-4BF3-A0F4-7C90AD8B1AAD}" type="slidenum">
+            <a:fld id="{3E46738C-5763-46A9-87B3-DD7684EB6BC3}" type="slidenum">
               <a:rPr lang="ru-RU" smtClean="0"/>
               <a:t>‹#›</a:t>
             </a:fld>
@@ -319,7 +320,7 @@
     </p:spTree>
     <p:extLst>
       <p:ext uri="{BB962C8B-B14F-4D97-AF65-F5344CB8AC3E}">
-        <p14:creationId xmlns:p14="http://schemas.microsoft.com/office/powerpoint/2010/main" val="907629061"/>
+        <p14:creationId xmlns:p14="http://schemas.microsoft.com/office/powerpoint/2010/main" val="388971401"/>
       </p:ext>
     </p:extLst>
   </p:cSld>
@@ -351,7 +352,7 @@
           <p:cNvPr id="2" name="Заголовок 1">
             <a:extLst>
               <a:ext uri="{FF2B5EF4-FFF2-40B4-BE49-F238E27FC236}">
-                <a16:creationId xmlns:a16="http://schemas.microsoft.com/office/drawing/2014/main" id="{E808CD29-029C-4699-934C-07A7B7A156B1}"/>
+                <a16:creationId xmlns:a16="http://schemas.microsoft.com/office/drawing/2014/main" id="{B482052E-196A-415D-A418-4B909764C393}"/>
               </a:ext>
             </a:extLst>
           </p:cNvPr>
@@ -379,7 +380,7 @@
           <p:cNvPr id="3" name="Вертикальный текст 2">
             <a:extLst>
               <a:ext uri="{FF2B5EF4-FFF2-40B4-BE49-F238E27FC236}">
-                <a16:creationId xmlns:a16="http://schemas.microsoft.com/office/drawing/2014/main" id="{1A926916-9402-473D-A1AF-DA6B2B849015}"/>
+                <a16:creationId xmlns:a16="http://schemas.microsoft.com/office/drawing/2014/main" id="{743D3F4B-B854-42C9-BD26-003C554F6158}"/>
               </a:ext>
             </a:extLst>
           </p:cNvPr>
@@ -436,7 +437,7 @@
           <p:cNvPr id="4" name="Дата 3">
             <a:extLst>
               <a:ext uri="{FF2B5EF4-FFF2-40B4-BE49-F238E27FC236}">
-                <a16:creationId xmlns:a16="http://schemas.microsoft.com/office/drawing/2014/main" id="{F119DCB7-A079-4432-ADF2-D4EA7CB0A01D}"/>
+                <a16:creationId xmlns:a16="http://schemas.microsoft.com/office/drawing/2014/main" id="{9CCCA273-38A1-4428-9650-A62D7BE88B18}"/>
               </a:ext>
             </a:extLst>
           </p:cNvPr>
@@ -452,7 +453,7 @@
           <a:bodyPr/>
           <a:lstStyle/>
           <a:p>
-            <a:fld id="{590CF094-318B-456D-9B9D-F2E4E54F1251}" type="datetimeFigureOut">
+            <a:fld id="{360F9FAF-2ACE-4028-A3D2-5ECE18021B86}" type="datetimeFigureOut">
               <a:rPr lang="ru-RU" smtClean="0"/>
               <a:t>20.02.2021</a:t>
             </a:fld>
@@ -465,7 +466,7 @@
           <p:cNvPr id="5" name="Нижний колонтитул 4">
             <a:extLst>
               <a:ext uri="{FF2B5EF4-FFF2-40B4-BE49-F238E27FC236}">
-                <a16:creationId xmlns:a16="http://schemas.microsoft.com/office/drawing/2014/main" id="{05AF1713-DF1E-43E9-A0EC-20A3C3112AF1}"/>
+                <a16:creationId xmlns:a16="http://schemas.microsoft.com/office/drawing/2014/main" id="{798E0656-5618-4D5B-8A38-7D67DB285673}"/>
               </a:ext>
             </a:extLst>
           </p:cNvPr>
@@ -490,7 +491,7 @@
           <p:cNvPr id="6" name="Номер слайда 5">
             <a:extLst>
               <a:ext uri="{FF2B5EF4-FFF2-40B4-BE49-F238E27FC236}">
-                <a16:creationId xmlns:a16="http://schemas.microsoft.com/office/drawing/2014/main" id="{86C4CD7B-D4EC-4B87-A8F2-5604C8A75043}"/>
+                <a16:creationId xmlns:a16="http://schemas.microsoft.com/office/drawing/2014/main" id="{7514CD6D-6E12-476C-85E0-4215768DDAAF}"/>
               </a:ext>
             </a:extLst>
           </p:cNvPr>
@@ -506,7 +507,7 @@
           <a:bodyPr/>
           <a:lstStyle/>
           <a:p>
-            <a:fld id="{1841D2A1-D0EC-4BF3-A0F4-7C90AD8B1AAD}" type="slidenum">
+            <a:fld id="{3E46738C-5763-46A9-87B3-DD7684EB6BC3}" type="slidenum">
               <a:rPr lang="ru-RU" smtClean="0"/>
               <a:t>‹#›</a:t>
             </a:fld>
@@ -517,7 +518,7 @@
     </p:spTree>
     <p:extLst>
       <p:ext uri="{BB962C8B-B14F-4D97-AF65-F5344CB8AC3E}">
-        <p14:creationId xmlns:p14="http://schemas.microsoft.com/office/powerpoint/2010/main" val="2988894906"/>
+        <p14:creationId xmlns:p14="http://schemas.microsoft.com/office/powerpoint/2010/main" val="2890652381"/>
       </p:ext>
     </p:extLst>
   </p:cSld>
@@ -549,7 +550,7 @@
           <p:cNvPr id="2" name="Вертикальный заголовок 1">
             <a:extLst>
               <a:ext uri="{FF2B5EF4-FFF2-40B4-BE49-F238E27FC236}">
-                <a16:creationId xmlns:a16="http://schemas.microsoft.com/office/drawing/2014/main" id="{29EB844D-7962-4A3F-848B-8F9C18389A53}"/>
+                <a16:creationId xmlns:a16="http://schemas.microsoft.com/office/drawing/2014/main" id="{29997609-0338-47BF-B167-AD3831A3AA02}"/>
               </a:ext>
             </a:extLst>
           </p:cNvPr>
@@ -582,7 +583,7 @@
           <p:cNvPr id="3" name="Вертикальный текст 2">
             <a:extLst>
               <a:ext uri="{FF2B5EF4-FFF2-40B4-BE49-F238E27FC236}">
-                <a16:creationId xmlns:a16="http://schemas.microsoft.com/office/drawing/2014/main" id="{D3F62A8D-A399-44B1-8B7A-B17FADE3570A}"/>
+                <a16:creationId xmlns:a16="http://schemas.microsoft.com/office/drawing/2014/main" id="{85A9A6AC-9B5B-4902-968E-AC08F8016CE8}"/>
               </a:ext>
             </a:extLst>
           </p:cNvPr>
@@ -644,7 +645,7 @@
           <p:cNvPr id="4" name="Дата 3">
             <a:extLst>
               <a:ext uri="{FF2B5EF4-FFF2-40B4-BE49-F238E27FC236}">
-                <a16:creationId xmlns:a16="http://schemas.microsoft.com/office/drawing/2014/main" id="{DC8AFCD5-076A-49AF-854B-EF986AEA32A9}"/>
+                <a16:creationId xmlns:a16="http://schemas.microsoft.com/office/drawing/2014/main" id="{BEE81289-EA22-4D22-8B50-6DA51636466C}"/>
               </a:ext>
             </a:extLst>
           </p:cNvPr>
@@ -660,7 +661,7 @@
           <a:bodyPr/>
           <a:lstStyle/>
           <a:p>
-            <a:fld id="{590CF094-318B-456D-9B9D-F2E4E54F1251}" type="datetimeFigureOut">
+            <a:fld id="{360F9FAF-2ACE-4028-A3D2-5ECE18021B86}" type="datetimeFigureOut">
               <a:rPr lang="ru-RU" smtClean="0"/>
               <a:t>20.02.2021</a:t>
             </a:fld>
@@ -673,7 +674,7 @@
           <p:cNvPr id="5" name="Нижний колонтитул 4">
             <a:extLst>
               <a:ext uri="{FF2B5EF4-FFF2-40B4-BE49-F238E27FC236}">
-                <a16:creationId xmlns:a16="http://schemas.microsoft.com/office/drawing/2014/main" id="{566FE689-D8BC-4447-AC08-C5E05FA704CA}"/>
+                <a16:creationId xmlns:a16="http://schemas.microsoft.com/office/drawing/2014/main" id="{EF0E007C-4AD2-46E9-AF46-5E9E144840C5}"/>
               </a:ext>
             </a:extLst>
           </p:cNvPr>
@@ -698,7 +699,7 @@
           <p:cNvPr id="6" name="Номер слайда 5">
             <a:extLst>
               <a:ext uri="{FF2B5EF4-FFF2-40B4-BE49-F238E27FC236}">
-                <a16:creationId xmlns:a16="http://schemas.microsoft.com/office/drawing/2014/main" id="{6CA85AB8-60BB-4BD5-9DF1-F08CECFC7D61}"/>
+                <a16:creationId xmlns:a16="http://schemas.microsoft.com/office/drawing/2014/main" id="{7F00043A-6057-4595-A0F1-765077FD73A0}"/>
               </a:ext>
             </a:extLst>
           </p:cNvPr>
@@ -714,7 +715,7 @@
           <a:bodyPr/>
           <a:lstStyle/>
           <a:p>
-            <a:fld id="{1841D2A1-D0EC-4BF3-A0F4-7C90AD8B1AAD}" type="slidenum">
+            <a:fld id="{3E46738C-5763-46A9-87B3-DD7684EB6BC3}" type="slidenum">
               <a:rPr lang="ru-RU" smtClean="0"/>
               <a:t>‹#›</a:t>
             </a:fld>
@@ -725,7 +726,7 @@
     </p:spTree>
     <p:extLst>
       <p:ext uri="{BB962C8B-B14F-4D97-AF65-F5344CB8AC3E}">
-        <p14:creationId xmlns:p14="http://schemas.microsoft.com/office/powerpoint/2010/main" val="1090282660"/>
+        <p14:creationId xmlns:p14="http://schemas.microsoft.com/office/powerpoint/2010/main" val="2194257412"/>
       </p:ext>
     </p:extLst>
   </p:cSld>
@@ -757,7 +758,7 @@
           <p:cNvPr id="2" name="Заголовок 1">
             <a:extLst>
               <a:ext uri="{FF2B5EF4-FFF2-40B4-BE49-F238E27FC236}">
-                <a16:creationId xmlns:a16="http://schemas.microsoft.com/office/drawing/2014/main" id="{358B800B-6438-45A2-9A02-6D490DD3D234}"/>
+                <a16:creationId xmlns:a16="http://schemas.microsoft.com/office/drawing/2014/main" id="{E215189C-286A-4A70-9C68-0D06CF915954}"/>
               </a:ext>
             </a:extLst>
           </p:cNvPr>
@@ -785,7 +786,7 @@
           <p:cNvPr id="3" name="Объект 2">
             <a:extLst>
               <a:ext uri="{FF2B5EF4-FFF2-40B4-BE49-F238E27FC236}">
-                <a16:creationId xmlns:a16="http://schemas.microsoft.com/office/drawing/2014/main" id="{0AC8B1F9-9409-45C7-8ECE-C4208892173B}"/>
+                <a16:creationId xmlns:a16="http://schemas.microsoft.com/office/drawing/2014/main" id="{3EBA81AE-5449-4925-B86A-DC4EA10501E7}"/>
               </a:ext>
             </a:extLst>
           </p:cNvPr>
@@ -842,7 +843,7 @@
           <p:cNvPr id="4" name="Дата 3">
             <a:extLst>
               <a:ext uri="{FF2B5EF4-FFF2-40B4-BE49-F238E27FC236}">
-                <a16:creationId xmlns:a16="http://schemas.microsoft.com/office/drawing/2014/main" id="{8B7F4843-4888-4075-8037-CDBFC5AA9B33}"/>
+                <a16:creationId xmlns:a16="http://schemas.microsoft.com/office/drawing/2014/main" id="{1B03BABC-5230-45D3-9A6F-3FBC4723E716}"/>
               </a:ext>
             </a:extLst>
           </p:cNvPr>
@@ -858,7 +859,7 @@
           <a:bodyPr/>
           <a:lstStyle/>
           <a:p>
-            <a:fld id="{590CF094-318B-456D-9B9D-F2E4E54F1251}" type="datetimeFigureOut">
+            <a:fld id="{360F9FAF-2ACE-4028-A3D2-5ECE18021B86}" type="datetimeFigureOut">
               <a:rPr lang="ru-RU" smtClean="0"/>
               <a:t>20.02.2021</a:t>
             </a:fld>
@@ -871,7 +872,7 @@
           <p:cNvPr id="5" name="Нижний колонтитул 4">
             <a:extLst>
               <a:ext uri="{FF2B5EF4-FFF2-40B4-BE49-F238E27FC236}">
-                <a16:creationId xmlns:a16="http://schemas.microsoft.com/office/drawing/2014/main" id="{5BC641A4-2859-4651-BFB1-059EB0E960C3}"/>
+                <a16:creationId xmlns:a16="http://schemas.microsoft.com/office/drawing/2014/main" id="{05EF5966-7B8E-45E9-AECF-561D1FE1DC6C}"/>
               </a:ext>
             </a:extLst>
           </p:cNvPr>
@@ -896,7 +897,7 @@
           <p:cNvPr id="6" name="Номер слайда 5">
             <a:extLst>
               <a:ext uri="{FF2B5EF4-FFF2-40B4-BE49-F238E27FC236}">
-                <a16:creationId xmlns:a16="http://schemas.microsoft.com/office/drawing/2014/main" id="{F5F8702F-6F87-4567-8969-8D51292651AF}"/>
+                <a16:creationId xmlns:a16="http://schemas.microsoft.com/office/drawing/2014/main" id="{4B00E739-E98C-40DC-BB3C-3CBF55A4FD0E}"/>
               </a:ext>
             </a:extLst>
           </p:cNvPr>
@@ -912,7 +913,7 @@
           <a:bodyPr/>
           <a:lstStyle/>
           <a:p>
-            <a:fld id="{1841D2A1-D0EC-4BF3-A0F4-7C90AD8B1AAD}" type="slidenum">
+            <a:fld id="{3E46738C-5763-46A9-87B3-DD7684EB6BC3}" type="slidenum">
               <a:rPr lang="ru-RU" smtClean="0"/>
               <a:t>‹#›</a:t>
             </a:fld>
@@ -923,7 +924,7 @@
     </p:spTree>
     <p:extLst>
       <p:ext uri="{BB962C8B-B14F-4D97-AF65-F5344CB8AC3E}">
-        <p14:creationId xmlns:p14="http://schemas.microsoft.com/office/powerpoint/2010/main" val="2726659062"/>
+        <p14:creationId xmlns:p14="http://schemas.microsoft.com/office/powerpoint/2010/main" val="1358776159"/>
       </p:ext>
     </p:extLst>
   </p:cSld>
@@ -955,7 +956,7 @@
           <p:cNvPr id="2" name="Заголовок 1">
             <a:extLst>
               <a:ext uri="{FF2B5EF4-FFF2-40B4-BE49-F238E27FC236}">
-                <a16:creationId xmlns:a16="http://schemas.microsoft.com/office/drawing/2014/main" id="{F62A2D73-ED29-4F99-8829-D9952BEFFB15}"/>
+                <a16:creationId xmlns:a16="http://schemas.microsoft.com/office/drawing/2014/main" id="{26B1012D-675D-4484-8283-25074A9E1E63}"/>
               </a:ext>
             </a:extLst>
           </p:cNvPr>
@@ -992,7 +993,7 @@
           <p:cNvPr id="3" name="Текст 2">
             <a:extLst>
               <a:ext uri="{FF2B5EF4-FFF2-40B4-BE49-F238E27FC236}">
-                <a16:creationId xmlns:a16="http://schemas.microsoft.com/office/drawing/2014/main" id="{D52FD447-0C9F-4B97-A1F8-0CDA2EE404B3}"/>
+                <a16:creationId xmlns:a16="http://schemas.microsoft.com/office/drawing/2014/main" id="{7FC2EB1C-DC8F-45A4-AFDC-1D6CEB35136D}"/>
               </a:ext>
             </a:extLst>
           </p:cNvPr>
@@ -1117,7 +1118,7 @@
           <p:cNvPr id="4" name="Дата 3">
             <a:extLst>
               <a:ext uri="{FF2B5EF4-FFF2-40B4-BE49-F238E27FC236}">
-                <a16:creationId xmlns:a16="http://schemas.microsoft.com/office/drawing/2014/main" id="{A9F3D9B5-610D-4200-B910-D07DE56A348F}"/>
+                <a16:creationId xmlns:a16="http://schemas.microsoft.com/office/drawing/2014/main" id="{0D43321B-A18C-4C81-B68D-DE4DC95CE6CA}"/>
               </a:ext>
             </a:extLst>
           </p:cNvPr>
@@ -1133,7 +1134,7 @@
           <a:bodyPr/>
           <a:lstStyle/>
           <a:p>
-            <a:fld id="{590CF094-318B-456D-9B9D-F2E4E54F1251}" type="datetimeFigureOut">
+            <a:fld id="{360F9FAF-2ACE-4028-A3D2-5ECE18021B86}" type="datetimeFigureOut">
               <a:rPr lang="ru-RU" smtClean="0"/>
               <a:t>20.02.2021</a:t>
             </a:fld>
@@ -1146,7 +1147,7 @@
           <p:cNvPr id="5" name="Нижний колонтитул 4">
             <a:extLst>
               <a:ext uri="{FF2B5EF4-FFF2-40B4-BE49-F238E27FC236}">
-                <a16:creationId xmlns:a16="http://schemas.microsoft.com/office/drawing/2014/main" id="{FE40A8C9-7F84-480B-919D-EE4AD17519FB}"/>
+                <a16:creationId xmlns:a16="http://schemas.microsoft.com/office/drawing/2014/main" id="{B08D9B4A-1AE7-40C1-A8DF-5F6CE8FFEFEE}"/>
               </a:ext>
             </a:extLst>
           </p:cNvPr>
@@ -1171,7 +1172,7 @@
           <p:cNvPr id="6" name="Номер слайда 5">
             <a:extLst>
               <a:ext uri="{FF2B5EF4-FFF2-40B4-BE49-F238E27FC236}">
-                <a16:creationId xmlns:a16="http://schemas.microsoft.com/office/drawing/2014/main" id="{53A1A0C0-ED87-4A76-9EA6-96AB36DE7732}"/>
+                <a16:creationId xmlns:a16="http://schemas.microsoft.com/office/drawing/2014/main" id="{5AE93875-03FB-42D9-86CD-D70154F2A37F}"/>
               </a:ext>
             </a:extLst>
           </p:cNvPr>
@@ -1187,7 +1188,7 @@
           <a:bodyPr/>
           <a:lstStyle/>
           <a:p>
-            <a:fld id="{1841D2A1-D0EC-4BF3-A0F4-7C90AD8B1AAD}" type="slidenum">
+            <a:fld id="{3E46738C-5763-46A9-87B3-DD7684EB6BC3}" type="slidenum">
               <a:rPr lang="ru-RU" smtClean="0"/>
               <a:t>‹#›</a:t>
             </a:fld>
@@ -1198,7 +1199,7 @@
     </p:spTree>
     <p:extLst>
       <p:ext uri="{BB962C8B-B14F-4D97-AF65-F5344CB8AC3E}">
-        <p14:creationId xmlns:p14="http://schemas.microsoft.com/office/powerpoint/2010/main" val="2314631027"/>
+        <p14:creationId xmlns:p14="http://schemas.microsoft.com/office/powerpoint/2010/main" val="4280632760"/>
       </p:ext>
     </p:extLst>
   </p:cSld>
@@ -1230,7 +1231,7 @@
           <p:cNvPr id="2" name="Заголовок 1">
             <a:extLst>
               <a:ext uri="{FF2B5EF4-FFF2-40B4-BE49-F238E27FC236}">
-                <a16:creationId xmlns:a16="http://schemas.microsoft.com/office/drawing/2014/main" id="{C30EC7FA-D06C-48AA-B7F2-4ADC4C544705}"/>
+                <a16:creationId xmlns:a16="http://schemas.microsoft.com/office/drawing/2014/main" id="{289FA482-7D08-4E58-8D1A-0983BDD5FFDC}"/>
               </a:ext>
             </a:extLst>
           </p:cNvPr>
@@ -1258,7 +1259,7 @@
           <p:cNvPr id="3" name="Объект 2">
             <a:extLst>
               <a:ext uri="{FF2B5EF4-FFF2-40B4-BE49-F238E27FC236}">
-                <a16:creationId xmlns:a16="http://schemas.microsoft.com/office/drawing/2014/main" id="{FE64E4E4-BC6E-4B8C-96D4-BECEA475CFD2}"/>
+                <a16:creationId xmlns:a16="http://schemas.microsoft.com/office/drawing/2014/main" id="{3F9520F1-2A71-4F08-BB68-B1A67160C5F5}"/>
               </a:ext>
             </a:extLst>
           </p:cNvPr>
@@ -1320,7 +1321,7 @@
           <p:cNvPr id="4" name="Объект 3">
             <a:extLst>
               <a:ext uri="{FF2B5EF4-FFF2-40B4-BE49-F238E27FC236}">
-                <a16:creationId xmlns:a16="http://schemas.microsoft.com/office/drawing/2014/main" id="{C19DD06C-93EC-450B-8577-6AD5718EF0EF}"/>
+                <a16:creationId xmlns:a16="http://schemas.microsoft.com/office/drawing/2014/main" id="{C7CDFBD7-4C13-4B87-818A-AA15C44C7239}"/>
               </a:ext>
             </a:extLst>
           </p:cNvPr>
@@ -1382,7 +1383,7 @@
           <p:cNvPr id="5" name="Дата 4">
             <a:extLst>
               <a:ext uri="{FF2B5EF4-FFF2-40B4-BE49-F238E27FC236}">
-                <a16:creationId xmlns:a16="http://schemas.microsoft.com/office/drawing/2014/main" id="{C2DFDB02-B67C-4771-B4B3-FC41A5B6E1D4}"/>
+                <a16:creationId xmlns:a16="http://schemas.microsoft.com/office/drawing/2014/main" id="{4A12799C-E663-4AA7-839A-8F2FD63E16F6}"/>
               </a:ext>
             </a:extLst>
           </p:cNvPr>
@@ -1398,7 +1399,7 @@
           <a:bodyPr/>
           <a:lstStyle/>
           <a:p>
-            <a:fld id="{590CF094-318B-456D-9B9D-F2E4E54F1251}" type="datetimeFigureOut">
+            <a:fld id="{360F9FAF-2ACE-4028-A3D2-5ECE18021B86}" type="datetimeFigureOut">
               <a:rPr lang="ru-RU" smtClean="0"/>
               <a:t>20.02.2021</a:t>
             </a:fld>
@@ -1411,7 +1412,7 @@
           <p:cNvPr id="6" name="Нижний колонтитул 5">
             <a:extLst>
               <a:ext uri="{FF2B5EF4-FFF2-40B4-BE49-F238E27FC236}">
-                <a16:creationId xmlns:a16="http://schemas.microsoft.com/office/drawing/2014/main" id="{4E552BFE-16C2-4D39-AA78-E4DC0BF2FD9F}"/>
+                <a16:creationId xmlns:a16="http://schemas.microsoft.com/office/drawing/2014/main" id="{4D9C79F9-7746-4418-948D-0E4C723200C4}"/>
               </a:ext>
             </a:extLst>
           </p:cNvPr>
@@ -1436,7 +1437,7 @@
           <p:cNvPr id="7" name="Номер слайда 6">
             <a:extLst>
               <a:ext uri="{FF2B5EF4-FFF2-40B4-BE49-F238E27FC236}">
-                <a16:creationId xmlns:a16="http://schemas.microsoft.com/office/drawing/2014/main" id="{2D9B5E95-8517-4029-B64D-CC4575BFBAAE}"/>
+                <a16:creationId xmlns:a16="http://schemas.microsoft.com/office/drawing/2014/main" id="{3909EC32-3AB2-4A3C-864A-0A26801056AB}"/>
               </a:ext>
             </a:extLst>
           </p:cNvPr>
@@ -1452,7 +1453,7 @@
           <a:bodyPr/>
           <a:lstStyle/>
           <a:p>
-            <a:fld id="{1841D2A1-D0EC-4BF3-A0F4-7C90AD8B1AAD}" type="slidenum">
+            <a:fld id="{3E46738C-5763-46A9-87B3-DD7684EB6BC3}" type="slidenum">
               <a:rPr lang="ru-RU" smtClean="0"/>
               <a:t>‹#›</a:t>
             </a:fld>
@@ -1463,7 +1464,7 @@
     </p:spTree>
     <p:extLst>
       <p:ext uri="{BB962C8B-B14F-4D97-AF65-F5344CB8AC3E}">
-        <p14:creationId xmlns:p14="http://schemas.microsoft.com/office/powerpoint/2010/main" val="3087349448"/>
+        <p14:creationId xmlns:p14="http://schemas.microsoft.com/office/powerpoint/2010/main" val="1143572598"/>
       </p:ext>
     </p:extLst>
   </p:cSld>
@@ -1495,7 +1496,7 @@
           <p:cNvPr id="2" name="Заголовок 1">
             <a:extLst>
               <a:ext uri="{FF2B5EF4-FFF2-40B4-BE49-F238E27FC236}">
-                <a16:creationId xmlns:a16="http://schemas.microsoft.com/office/drawing/2014/main" id="{5070B05F-8820-4E9A-8A94-6B13C3A90A7A}"/>
+                <a16:creationId xmlns:a16="http://schemas.microsoft.com/office/drawing/2014/main" id="{89E599BE-0095-46A0-9C41-35AE1334329C}"/>
               </a:ext>
             </a:extLst>
           </p:cNvPr>
@@ -1528,7 +1529,7 @@
           <p:cNvPr id="3" name="Текст 2">
             <a:extLst>
               <a:ext uri="{FF2B5EF4-FFF2-40B4-BE49-F238E27FC236}">
-                <a16:creationId xmlns:a16="http://schemas.microsoft.com/office/drawing/2014/main" id="{46FB2052-1A87-45D2-8B5A-CB444D20FD95}"/>
+                <a16:creationId xmlns:a16="http://schemas.microsoft.com/office/drawing/2014/main" id="{4FF180DE-116A-47B3-BA91-950749C31CA3}"/>
               </a:ext>
             </a:extLst>
           </p:cNvPr>
@@ -1599,7 +1600,7 @@
           <p:cNvPr id="4" name="Объект 3">
             <a:extLst>
               <a:ext uri="{FF2B5EF4-FFF2-40B4-BE49-F238E27FC236}">
-                <a16:creationId xmlns:a16="http://schemas.microsoft.com/office/drawing/2014/main" id="{CB24ACC2-D5A5-4E10-9D95-C4E82CEEAB8E}"/>
+                <a16:creationId xmlns:a16="http://schemas.microsoft.com/office/drawing/2014/main" id="{28A5511C-6DA9-44E7-BCF5-C0EEEB50C1A0}"/>
               </a:ext>
             </a:extLst>
           </p:cNvPr>
@@ -1661,7 +1662,7 @@
           <p:cNvPr id="5" name="Текст 4">
             <a:extLst>
               <a:ext uri="{FF2B5EF4-FFF2-40B4-BE49-F238E27FC236}">
-                <a16:creationId xmlns:a16="http://schemas.microsoft.com/office/drawing/2014/main" id="{97CC8F01-121F-4CC0-9D0D-5ACE62A23F62}"/>
+                <a16:creationId xmlns:a16="http://schemas.microsoft.com/office/drawing/2014/main" id="{8651E61B-A45A-4A5D-8966-CB5E3D74A748}"/>
               </a:ext>
             </a:extLst>
           </p:cNvPr>
@@ -1732,7 +1733,7 @@
           <p:cNvPr id="6" name="Объект 5">
             <a:extLst>
               <a:ext uri="{FF2B5EF4-FFF2-40B4-BE49-F238E27FC236}">
-                <a16:creationId xmlns:a16="http://schemas.microsoft.com/office/drawing/2014/main" id="{3013A3D7-E494-4729-94AA-939908D1A3FB}"/>
+                <a16:creationId xmlns:a16="http://schemas.microsoft.com/office/drawing/2014/main" id="{35245E3D-043E-4595-AEE4-B15F93BF1389}"/>
               </a:ext>
             </a:extLst>
           </p:cNvPr>
@@ -1794,7 +1795,7 @@
           <p:cNvPr id="7" name="Дата 6">
             <a:extLst>
               <a:ext uri="{FF2B5EF4-FFF2-40B4-BE49-F238E27FC236}">
-                <a16:creationId xmlns:a16="http://schemas.microsoft.com/office/drawing/2014/main" id="{EFE4C168-B11A-4A75-90DB-56FE4D4F6C9B}"/>
+                <a16:creationId xmlns:a16="http://schemas.microsoft.com/office/drawing/2014/main" id="{919BAECA-5862-43AD-81C8-2C003A2BDFE5}"/>
               </a:ext>
             </a:extLst>
           </p:cNvPr>
@@ -1810,7 +1811,7 @@
           <a:bodyPr/>
           <a:lstStyle/>
           <a:p>
-            <a:fld id="{590CF094-318B-456D-9B9D-F2E4E54F1251}" type="datetimeFigureOut">
+            <a:fld id="{360F9FAF-2ACE-4028-A3D2-5ECE18021B86}" type="datetimeFigureOut">
               <a:rPr lang="ru-RU" smtClean="0"/>
               <a:t>20.02.2021</a:t>
             </a:fld>
@@ -1823,7 +1824,7 @@
           <p:cNvPr id="8" name="Нижний колонтитул 7">
             <a:extLst>
               <a:ext uri="{FF2B5EF4-FFF2-40B4-BE49-F238E27FC236}">
-                <a16:creationId xmlns:a16="http://schemas.microsoft.com/office/drawing/2014/main" id="{DCD2E565-CA64-48CB-BD69-81BE95C4A18B}"/>
+                <a16:creationId xmlns:a16="http://schemas.microsoft.com/office/drawing/2014/main" id="{2D808851-A5CB-463F-8F3C-158A7CE42E67}"/>
               </a:ext>
             </a:extLst>
           </p:cNvPr>
@@ -1848,7 +1849,7 @@
           <p:cNvPr id="9" name="Номер слайда 8">
             <a:extLst>
               <a:ext uri="{FF2B5EF4-FFF2-40B4-BE49-F238E27FC236}">
-                <a16:creationId xmlns:a16="http://schemas.microsoft.com/office/drawing/2014/main" id="{608BD2E6-5FD2-4E0A-AAC4-A60BEDDCD75C}"/>
+                <a16:creationId xmlns:a16="http://schemas.microsoft.com/office/drawing/2014/main" id="{BCA6F595-12B4-4A67-A638-D6195AB47B4A}"/>
               </a:ext>
             </a:extLst>
           </p:cNvPr>
@@ -1864,7 +1865,7 @@
           <a:bodyPr/>
           <a:lstStyle/>
           <a:p>
-            <a:fld id="{1841D2A1-D0EC-4BF3-A0F4-7C90AD8B1AAD}" type="slidenum">
+            <a:fld id="{3E46738C-5763-46A9-87B3-DD7684EB6BC3}" type="slidenum">
               <a:rPr lang="ru-RU" smtClean="0"/>
               <a:t>‹#›</a:t>
             </a:fld>
@@ -1875,7 +1876,7 @@
     </p:spTree>
     <p:extLst>
       <p:ext uri="{BB962C8B-B14F-4D97-AF65-F5344CB8AC3E}">
-        <p14:creationId xmlns:p14="http://schemas.microsoft.com/office/powerpoint/2010/main" val="2100149071"/>
+        <p14:creationId xmlns:p14="http://schemas.microsoft.com/office/powerpoint/2010/main" val="2872067269"/>
       </p:ext>
     </p:extLst>
   </p:cSld>
@@ -1907,7 +1908,7 @@
           <p:cNvPr id="2" name="Заголовок 1">
             <a:extLst>
               <a:ext uri="{FF2B5EF4-FFF2-40B4-BE49-F238E27FC236}">
-                <a16:creationId xmlns:a16="http://schemas.microsoft.com/office/drawing/2014/main" id="{D3EB60D1-4808-4398-A6C7-CCEED005F345}"/>
+                <a16:creationId xmlns:a16="http://schemas.microsoft.com/office/drawing/2014/main" id="{04319EDB-3806-4396-A0FD-029BDAC13469}"/>
               </a:ext>
             </a:extLst>
           </p:cNvPr>
@@ -1935,7 +1936,7 @@
           <p:cNvPr id="3" name="Дата 2">
             <a:extLst>
               <a:ext uri="{FF2B5EF4-FFF2-40B4-BE49-F238E27FC236}">
-                <a16:creationId xmlns:a16="http://schemas.microsoft.com/office/drawing/2014/main" id="{66948090-FB30-4DE7-BC70-7D401A78C73D}"/>
+                <a16:creationId xmlns:a16="http://schemas.microsoft.com/office/drawing/2014/main" id="{CC4F4F95-EBA2-4C8E-B6FF-3FF2F8534CED}"/>
               </a:ext>
             </a:extLst>
           </p:cNvPr>
@@ -1951,7 +1952,7 @@
           <a:bodyPr/>
           <a:lstStyle/>
           <a:p>
-            <a:fld id="{590CF094-318B-456D-9B9D-F2E4E54F1251}" type="datetimeFigureOut">
+            <a:fld id="{360F9FAF-2ACE-4028-A3D2-5ECE18021B86}" type="datetimeFigureOut">
               <a:rPr lang="ru-RU" smtClean="0"/>
               <a:t>20.02.2021</a:t>
             </a:fld>
@@ -1964,7 +1965,7 @@
           <p:cNvPr id="4" name="Нижний колонтитул 3">
             <a:extLst>
               <a:ext uri="{FF2B5EF4-FFF2-40B4-BE49-F238E27FC236}">
-                <a16:creationId xmlns:a16="http://schemas.microsoft.com/office/drawing/2014/main" id="{0D731A2D-A6FA-49F5-9715-710E5BD7ACCB}"/>
+                <a16:creationId xmlns:a16="http://schemas.microsoft.com/office/drawing/2014/main" id="{FB494941-199D-427D-8C19-307152110142}"/>
               </a:ext>
             </a:extLst>
           </p:cNvPr>
@@ -1989,7 +1990,7 @@
           <p:cNvPr id="5" name="Номер слайда 4">
             <a:extLst>
               <a:ext uri="{FF2B5EF4-FFF2-40B4-BE49-F238E27FC236}">
-                <a16:creationId xmlns:a16="http://schemas.microsoft.com/office/drawing/2014/main" id="{1004ACE5-D96D-4CFE-B851-7073D273C62B}"/>
+                <a16:creationId xmlns:a16="http://schemas.microsoft.com/office/drawing/2014/main" id="{5F2FD730-3877-4D45-B609-D71A332002A0}"/>
               </a:ext>
             </a:extLst>
           </p:cNvPr>
@@ -2005,7 +2006,7 @@
           <a:bodyPr/>
           <a:lstStyle/>
           <a:p>
-            <a:fld id="{1841D2A1-D0EC-4BF3-A0F4-7C90AD8B1AAD}" type="slidenum">
+            <a:fld id="{3E46738C-5763-46A9-87B3-DD7684EB6BC3}" type="slidenum">
               <a:rPr lang="ru-RU" smtClean="0"/>
               <a:t>‹#›</a:t>
             </a:fld>
@@ -2016,7 +2017,7 @@
     </p:spTree>
     <p:extLst>
       <p:ext uri="{BB962C8B-B14F-4D97-AF65-F5344CB8AC3E}">
-        <p14:creationId xmlns:p14="http://schemas.microsoft.com/office/powerpoint/2010/main" val="2536519352"/>
+        <p14:creationId xmlns:p14="http://schemas.microsoft.com/office/powerpoint/2010/main" val="103568120"/>
       </p:ext>
     </p:extLst>
   </p:cSld>
@@ -2048,7 +2049,7 @@
           <p:cNvPr id="2" name="Дата 1">
             <a:extLst>
               <a:ext uri="{FF2B5EF4-FFF2-40B4-BE49-F238E27FC236}">
-                <a16:creationId xmlns:a16="http://schemas.microsoft.com/office/drawing/2014/main" id="{C1212BAF-0305-449F-A14D-6B7C0494DBDE}"/>
+                <a16:creationId xmlns:a16="http://schemas.microsoft.com/office/drawing/2014/main" id="{A22717BA-552A-45E6-878D-A2A1D5956A19}"/>
               </a:ext>
             </a:extLst>
           </p:cNvPr>
@@ -2064,7 +2065,7 @@
           <a:bodyPr/>
           <a:lstStyle/>
           <a:p>
-            <a:fld id="{590CF094-318B-456D-9B9D-F2E4E54F1251}" type="datetimeFigureOut">
+            <a:fld id="{360F9FAF-2ACE-4028-A3D2-5ECE18021B86}" type="datetimeFigureOut">
               <a:rPr lang="ru-RU" smtClean="0"/>
               <a:t>20.02.2021</a:t>
             </a:fld>
@@ -2077,7 +2078,7 @@
           <p:cNvPr id="3" name="Нижний колонтитул 2">
             <a:extLst>
               <a:ext uri="{FF2B5EF4-FFF2-40B4-BE49-F238E27FC236}">
-                <a16:creationId xmlns:a16="http://schemas.microsoft.com/office/drawing/2014/main" id="{DC7215CD-9F9C-4F1A-AF24-AC587798CB66}"/>
+                <a16:creationId xmlns:a16="http://schemas.microsoft.com/office/drawing/2014/main" id="{146B84C9-AD3F-4562-844F-365041D6754A}"/>
               </a:ext>
             </a:extLst>
           </p:cNvPr>
@@ -2102,7 +2103,7 @@
           <p:cNvPr id="4" name="Номер слайда 3">
             <a:extLst>
               <a:ext uri="{FF2B5EF4-FFF2-40B4-BE49-F238E27FC236}">
-                <a16:creationId xmlns:a16="http://schemas.microsoft.com/office/drawing/2014/main" id="{A6CC8F9F-A6DB-489C-82A6-A879D0EA78C6}"/>
+                <a16:creationId xmlns:a16="http://schemas.microsoft.com/office/drawing/2014/main" id="{F20623AE-02C6-49A0-9CF2-F3A07057F3B7}"/>
               </a:ext>
             </a:extLst>
           </p:cNvPr>
@@ -2118,7 +2119,7 @@
           <a:bodyPr/>
           <a:lstStyle/>
           <a:p>
-            <a:fld id="{1841D2A1-D0EC-4BF3-A0F4-7C90AD8B1AAD}" type="slidenum">
+            <a:fld id="{3E46738C-5763-46A9-87B3-DD7684EB6BC3}" type="slidenum">
               <a:rPr lang="ru-RU" smtClean="0"/>
               <a:t>‹#›</a:t>
             </a:fld>
@@ -2129,7 +2130,7 @@
     </p:spTree>
     <p:extLst>
       <p:ext uri="{BB962C8B-B14F-4D97-AF65-F5344CB8AC3E}">
-        <p14:creationId xmlns:p14="http://schemas.microsoft.com/office/powerpoint/2010/main" val="3080129883"/>
+        <p14:creationId xmlns:p14="http://schemas.microsoft.com/office/powerpoint/2010/main" val="4226627030"/>
       </p:ext>
     </p:extLst>
   </p:cSld>
@@ -2161,7 +2162,7 @@
           <p:cNvPr id="2" name="Заголовок 1">
             <a:extLst>
               <a:ext uri="{FF2B5EF4-FFF2-40B4-BE49-F238E27FC236}">
-                <a16:creationId xmlns:a16="http://schemas.microsoft.com/office/drawing/2014/main" id="{70B19C5E-583F-4FA1-A491-A0F053BFFF0F}"/>
+                <a16:creationId xmlns:a16="http://schemas.microsoft.com/office/drawing/2014/main" id="{87AAB5BF-F38D-4C25-A1A8-C7DF5F4847F0}"/>
               </a:ext>
             </a:extLst>
           </p:cNvPr>
@@ -2198,7 +2199,7 @@
           <p:cNvPr id="3" name="Объект 2">
             <a:extLst>
               <a:ext uri="{FF2B5EF4-FFF2-40B4-BE49-F238E27FC236}">
-                <a16:creationId xmlns:a16="http://schemas.microsoft.com/office/drawing/2014/main" id="{9C0865A6-B9BD-4477-8CC2-24CBBC1FD181}"/>
+                <a16:creationId xmlns:a16="http://schemas.microsoft.com/office/drawing/2014/main" id="{1A083372-E232-471D-8AC4-511854F94C9C}"/>
               </a:ext>
             </a:extLst>
           </p:cNvPr>
@@ -2288,7 +2289,7 @@
           <p:cNvPr id="4" name="Текст 3">
             <a:extLst>
               <a:ext uri="{FF2B5EF4-FFF2-40B4-BE49-F238E27FC236}">
-                <a16:creationId xmlns:a16="http://schemas.microsoft.com/office/drawing/2014/main" id="{7DC63E4D-CF9C-4D91-9265-15B198115F9D}"/>
+                <a16:creationId xmlns:a16="http://schemas.microsoft.com/office/drawing/2014/main" id="{707A4AA8-A810-44F8-A50D-2994A6A7FE79}"/>
               </a:ext>
             </a:extLst>
           </p:cNvPr>
@@ -2359,7 +2360,7 @@
           <p:cNvPr id="5" name="Дата 4">
             <a:extLst>
               <a:ext uri="{FF2B5EF4-FFF2-40B4-BE49-F238E27FC236}">
-                <a16:creationId xmlns:a16="http://schemas.microsoft.com/office/drawing/2014/main" id="{442DCAB1-DE4F-4091-A23F-F4F20E532E3C}"/>
+                <a16:creationId xmlns:a16="http://schemas.microsoft.com/office/drawing/2014/main" id="{6A783CB8-AFC7-42AC-B45B-17B15B27561C}"/>
               </a:ext>
             </a:extLst>
           </p:cNvPr>
@@ -2375,7 +2376,7 @@
           <a:bodyPr/>
           <a:lstStyle/>
           <a:p>
-            <a:fld id="{590CF094-318B-456D-9B9D-F2E4E54F1251}" type="datetimeFigureOut">
+            <a:fld id="{360F9FAF-2ACE-4028-A3D2-5ECE18021B86}" type="datetimeFigureOut">
               <a:rPr lang="ru-RU" smtClean="0"/>
               <a:t>20.02.2021</a:t>
             </a:fld>
@@ -2388,7 +2389,7 @@
           <p:cNvPr id="6" name="Нижний колонтитул 5">
             <a:extLst>
               <a:ext uri="{FF2B5EF4-FFF2-40B4-BE49-F238E27FC236}">
-                <a16:creationId xmlns:a16="http://schemas.microsoft.com/office/drawing/2014/main" id="{F2411219-4A58-459D-B5E6-5F6064D09B2D}"/>
+                <a16:creationId xmlns:a16="http://schemas.microsoft.com/office/drawing/2014/main" id="{602D04A6-C677-4C6C-9CA5-73DC80A155C0}"/>
               </a:ext>
             </a:extLst>
           </p:cNvPr>
@@ -2413,7 +2414,7 @@
           <p:cNvPr id="7" name="Номер слайда 6">
             <a:extLst>
               <a:ext uri="{FF2B5EF4-FFF2-40B4-BE49-F238E27FC236}">
-                <a16:creationId xmlns:a16="http://schemas.microsoft.com/office/drawing/2014/main" id="{A7D0973A-3753-434A-AD3B-B835AF901641}"/>
+                <a16:creationId xmlns:a16="http://schemas.microsoft.com/office/drawing/2014/main" id="{42CB4199-DB27-491F-93CC-EAE4FF3DC202}"/>
               </a:ext>
             </a:extLst>
           </p:cNvPr>
@@ -2429,7 +2430,7 @@
           <a:bodyPr/>
           <a:lstStyle/>
           <a:p>
-            <a:fld id="{1841D2A1-D0EC-4BF3-A0F4-7C90AD8B1AAD}" type="slidenum">
+            <a:fld id="{3E46738C-5763-46A9-87B3-DD7684EB6BC3}" type="slidenum">
               <a:rPr lang="ru-RU" smtClean="0"/>
               <a:t>‹#›</a:t>
             </a:fld>
@@ -2440,7 +2441,7 @@
     </p:spTree>
     <p:extLst>
       <p:ext uri="{BB962C8B-B14F-4D97-AF65-F5344CB8AC3E}">
-        <p14:creationId xmlns:p14="http://schemas.microsoft.com/office/powerpoint/2010/main" val="3147556491"/>
+        <p14:creationId xmlns:p14="http://schemas.microsoft.com/office/powerpoint/2010/main" val="3053786338"/>
       </p:ext>
     </p:extLst>
   </p:cSld>
@@ -2472,7 +2473,7 @@
           <p:cNvPr id="2" name="Заголовок 1">
             <a:extLst>
               <a:ext uri="{FF2B5EF4-FFF2-40B4-BE49-F238E27FC236}">
-                <a16:creationId xmlns:a16="http://schemas.microsoft.com/office/drawing/2014/main" id="{27DE88B7-F136-43C8-B8B9-593526F852BA}"/>
+                <a16:creationId xmlns:a16="http://schemas.microsoft.com/office/drawing/2014/main" id="{5783008B-6501-442F-806B-FD38343C5A5F}"/>
               </a:ext>
             </a:extLst>
           </p:cNvPr>
@@ -2509,7 +2510,7 @@
           <p:cNvPr id="3" name="Рисунок 2">
             <a:extLst>
               <a:ext uri="{FF2B5EF4-FFF2-40B4-BE49-F238E27FC236}">
-                <a16:creationId xmlns:a16="http://schemas.microsoft.com/office/drawing/2014/main" id="{83D82F61-169A-43AF-9931-F854B919AABE}"/>
+                <a16:creationId xmlns:a16="http://schemas.microsoft.com/office/drawing/2014/main" id="{212E414E-66EE-4EAF-9059-6CE07D078B98}"/>
               </a:ext>
             </a:extLst>
           </p:cNvPr>
@@ -2576,7 +2577,7 @@
           <p:cNvPr id="4" name="Текст 3">
             <a:extLst>
               <a:ext uri="{FF2B5EF4-FFF2-40B4-BE49-F238E27FC236}">
-                <a16:creationId xmlns:a16="http://schemas.microsoft.com/office/drawing/2014/main" id="{DB86AC94-D561-4278-8D42-7F676018C39F}"/>
+                <a16:creationId xmlns:a16="http://schemas.microsoft.com/office/drawing/2014/main" id="{499A9106-7EED-49FE-9806-725B225300C5}"/>
               </a:ext>
             </a:extLst>
           </p:cNvPr>
@@ -2647,7 +2648,7 @@
           <p:cNvPr id="5" name="Дата 4">
             <a:extLst>
               <a:ext uri="{FF2B5EF4-FFF2-40B4-BE49-F238E27FC236}">
-                <a16:creationId xmlns:a16="http://schemas.microsoft.com/office/drawing/2014/main" id="{2B3DC6B5-F862-4516-9B8C-3B450D8F42F7}"/>
+                <a16:creationId xmlns:a16="http://schemas.microsoft.com/office/drawing/2014/main" id="{7C570279-798F-4C9A-B58F-7A76232AC5A8}"/>
               </a:ext>
             </a:extLst>
           </p:cNvPr>
@@ -2663,7 +2664,7 @@
           <a:bodyPr/>
           <a:lstStyle/>
           <a:p>
-            <a:fld id="{590CF094-318B-456D-9B9D-F2E4E54F1251}" type="datetimeFigureOut">
+            <a:fld id="{360F9FAF-2ACE-4028-A3D2-5ECE18021B86}" type="datetimeFigureOut">
               <a:rPr lang="ru-RU" smtClean="0"/>
               <a:t>20.02.2021</a:t>
             </a:fld>
@@ -2676,7 +2677,7 @@
           <p:cNvPr id="6" name="Нижний колонтитул 5">
             <a:extLst>
               <a:ext uri="{FF2B5EF4-FFF2-40B4-BE49-F238E27FC236}">
-                <a16:creationId xmlns:a16="http://schemas.microsoft.com/office/drawing/2014/main" id="{479BC020-1EBB-4D59-8B44-43B020E1B804}"/>
+                <a16:creationId xmlns:a16="http://schemas.microsoft.com/office/drawing/2014/main" id="{9E6E6CB0-3EFC-4787-8284-DC1D9E2E1CD5}"/>
               </a:ext>
             </a:extLst>
           </p:cNvPr>
@@ -2701,7 +2702,7 @@
           <p:cNvPr id="7" name="Номер слайда 6">
             <a:extLst>
               <a:ext uri="{FF2B5EF4-FFF2-40B4-BE49-F238E27FC236}">
-                <a16:creationId xmlns:a16="http://schemas.microsoft.com/office/drawing/2014/main" id="{5B9ADE4C-80AC-4891-8906-627FC4CFF1C5}"/>
+                <a16:creationId xmlns:a16="http://schemas.microsoft.com/office/drawing/2014/main" id="{A174A340-4154-4650-AD0D-2C7EEED4BDAE}"/>
               </a:ext>
             </a:extLst>
           </p:cNvPr>
@@ -2717,7 +2718,7 @@
           <a:bodyPr/>
           <a:lstStyle/>
           <a:p>
-            <a:fld id="{1841D2A1-D0EC-4BF3-A0F4-7C90AD8B1AAD}" type="slidenum">
+            <a:fld id="{3E46738C-5763-46A9-87B3-DD7684EB6BC3}" type="slidenum">
               <a:rPr lang="ru-RU" smtClean="0"/>
               <a:t>‹#›</a:t>
             </a:fld>
@@ -2728,7 +2729,7 @@
     </p:spTree>
     <p:extLst>
       <p:ext uri="{BB962C8B-B14F-4D97-AF65-F5344CB8AC3E}">
-        <p14:creationId xmlns:p14="http://schemas.microsoft.com/office/powerpoint/2010/main" val="1076745337"/>
+        <p14:creationId xmlns:p14="http://schemas.microsoft.com/office/powerpoint/2010/main" val="3795360516"/>
       </p:ext>
     </p:extLst>
   </p:cSld>
@@ -2765,7 +2766,7 @@
           <p:cNvPr id="2" name="Заголовок 1">
             <a:extLst>
               <a:ext uri="{FF2B5EF4-FFF2-40B4-BE49-F238E27FC236}">
-                <a16:creationId xmlns:a16="http://schemas.microsoft.com/office/drawing/2014/main" id="{E2D88E8A-D66B-485B-AF8D-63A26388F816}"/>
+                <a16:creationId xmlns:a16="http://schemas.microsoft.com/office/drawing/2014/main" id="{D02E76CD-E187-43FA-9A53-6625B128F1B4}"/>
               </a:ext>
             </a:extLst>
           </p:cNvPr>
@@ -2803,7 +2804,7 @@
           <p:cNvPr id="3" name="Текст 2">
             <a:extLst>
               <a:ext uri="{FF2B5EF4-FFF2-40B4-BE49-F238E27FC236}">
-                <a16:creationId xmlns:a16="http://schemas.microsoft.com/office/drawing/2014/main" id="{CEEE3B69-90E3-48B5-8DF3-26D6F059B467}"/>
+                <a16:creationId xmlns:a16="http://schemas.microsoft.com/office/drawing/2014/main" id="{E281A79F-8C18-42F7-B4F5-64DEEA65236B}"/>
               </a:ext>
             </a:extLst>
           </p:cNvPr>
@@ -2870,7 +2871,7 @@
           <p:cNvPr id="4" name="Дата 3">
             <a:extLst>
               <a:ext uri="{FF2B5EF4-FFF2-40B4-BE49-F238E27FC236}">
-                <a16:creationId xmlns:a16="http://schemas.microsoft.com/office/drawing/2014/main" id="{B66BC0A2-7F03-4ADF-AFB1-2CEE1EC9ACC2}"/>
+                <a16:creationId xmlns:a16="http://schemas.microsoft.com/office/drawing/2014/main" id="{59C76910-A19B-4B8F-9FA5-BF9D90EA3149}"/>
               </a:ext>
             </a:extLst>
           </p:cNvPr>
@@ -2904,7 +2905,7 @@
             </a:lvl1pPr>
           </a:lstStyle>
           <a:p>
-            <a:fld id="{590CF094-318B-456D-9B9D-F2E4E54F1251}" type="datetimeFigureOut">
+            <a:fld id="{360F9FAF-2ACE-4028-A3D2-5ECE18021B86}" type="datetimeFigureOut">
               <a:rPr lang="ru-RU" smtClean="0"/>
               <a:t>20.02.2021</a:t>
             </a:fld>
@@ -2917,7 +2918,7 @@
           <p:cNvPr id="5" name="Нижний колонтитул 4">
             <a:extLst>
               <a:ext uri="{FF2B5EF4-FFF2-40B4-BE49-F238E27FC236}">
-                <a16:creationId xmlns:a16="http://schemas.microsoft.com/office/drawing/2014/main" id="{13E209CA-8CA5-45E0-80C1-D67A88C60FB7}"/>
+                <a16:creationId xmlns:a16="http://schemas.microsoft.com/office/drawing/2014/main" id="{C42FE4B9-35E0-4848-ADB7-5261A1F82C7D}"/>
               </a:ext>
             </a:extLst>
           </p:cNvPr>
@@ -2960,7 +2961,7 @@
           <p:cNvPr id="6" name="Номер слайда 5">
             <a:extLst>
               <a:ext uri="{FF2B5EF4-FFF2-40B4-BE49-F238E27FC236}">
-                <a16:creationId xmlns:a16="http://schemas.microsoft.com/office/drawing/2014/main" id="{75ACDBA4-D092-4873-9C33-C54D735C1DEE}"/>
+                <a16:creationId xmlns:a16="http://schemas.microsoft.com/office/drawing/2014/main" id="{71166030-1C99-4770-8688-C58A461A9F3B}"/>
               </a:ext>
             </a:extLst>
           </p:cNvPr>
@@ -2994,7 +2995,7 @@
             </a:lvl1pPr>
           </a:lstStyle>
           <a:p>
-            <a:fld id="{1841D2A1-D0EC-4BF3-A0F4-7C90AD8B1AAD}" type="slidenum">
+            <a:fld id="{3E46738C-5763-46A9-87B3-DD7684EB6BC3}" type="slidenum">
               <a:rPr lang="ru-RU" smtClean="0"/>
               <a:t>‹#›</a:t>
             </a:fld>
@@ -3005,7 +3006,7 @@
     </p:spTree>
     <p:extLst>
       <p:ext uri="{BB962C8B-B14F-4D97-AF65-F5344CB8AC3E}">
-        <p14:creationId xmlns:p14="http://schemas.microsoft.com/office/powerpoint/2010/main" val="1000083170"/>
+        <p14:creationId xmlns:p14="http://schemas.microsoft.com/office/powerpoint/2010/main" val="1014683753"/>
       </p:ext>
     </p:extLst>
   </p:cSld>
@@ -3325,10 +3326,10 @@
       </p:grpSpPr>
       <p:pic>
         <p:nvPicPr>
-          <p:cNvPr id="5" name="Рисунок 4">
-            <a:extLst>
-              <a:ext uri="{FF2B5EF4-FFF2-40B4-BE49-F238E27FC236}">
-                <a16:creationId xmlns:a16="http://schemas.microsoft.com/office/drawing/2014/main" id="{E6F7E958-4F45-4D3D-84F0-D29ECB896EB8}"/>
+          <p:cNvPr id="3" name="Рисунок 2">
+            <a:extLst>
+              <a:ext uri="{FF2B5EF4-FFF2-40B4-BE49-F238E27FC236}">
+                <a16:creationId xmlns:a16="http://schemas.microsoft.com/office/drawing/2014/main" id="{9F5C4AF4-3AD0-4227-85E0-9A80CABF4F69}"/>
               </a:ext>
             </a:extLst>
           </p:cNvPr>
@@ -3345,8 +3346,8 @@
         </p:blipFill>
         <p:spPr>
           <a:xfrm>
-            <a:off x="2771775" y="1433512"/>
-            <a:ext cx="6648450" cy="3990975"/>
+            <a:off x="1433512" y="990600"/>
+            <a:ext cx="9324975" cy="4876800"/>
           </a:xfrm>
           <a:prstGeom prst="rect">
             <a:avLst/>
@@ -3356,7 +3357,7 @@
     </p:spTree>
     <p:extLst>
       <p:ext uri="{BB962C8B-B14F-4D97-AF65-F5344CB8AC3E}">
-        <p14:creationId xmlns:p14="http://schemas.microsoft.com/office/powerpoint/2010/main" val="2355346885"/>
+        <p14:creationId xmlns:p14="http://schemas.microsoft.com/office/powerpoint/2010/main" val="1908378627"/>
       </p:ext>
     </p:extLst>
   </p:cSld>
@@ -3385,10 +3386,10 @@
       </p:grpSpPr>
       <p:pic>
         <p:nvPicPr>
-          <p:cNvPr id="3" name="Рисунок 2">
-            <a:extLst>
-              <a:ext uri="{FF2B5EF4-FFF2-40B4-BE49-F238E27FC236}">
-                <a16:creationId xmlns:a16="http://schemas.microsoft.com/office/drawing/2014/main" id="{D0BF4588-E911-4BF5-84C7-9A35E4656868}"/>
+          <p:cNvPr id="5" name="Рисунок 4">
+            <a:extLst>
+              <a:ext uri="{FF2B5EF4-FFF2-40B4-BE49-F238E27FC236}">
+                <a16:creationId xmlns:a16="http://schemas.microsoft.com/office/drawing/2014/main" id="{9A9D14AA-AB6D-4E55-961B-C146B5600C0D}"/>
               </a:ext>
             </a:extLst>
           </p:cNvPr>
@@ -3405,8 +3406,8 @@
         </p:blipFill>
         <p:spPr>
           <a:xfrm>
-            <a:off x="2595562" y="1219200"/>
-            <a:ext cx="7000875" cy="4419600"/>
+            <a:off x="2000250" y="990600"/>
+            <a:ext cx="8191500" cy="4876800"/>
           </a:xfrm>
           <a:prstGeom prst="rect">
             <a:avLst/>
@@ -3416,7 +3417,7 @@
     </p:spTree>
     <p:extLst>
       <p:ext uri="{BB962C8B-B14F-4D97-AF65-F5344CB8AC3E}">
-        <p14:creationId xmlns:p14="http://schemas.microsoft.com/office/powerpoint/2010/main" val="3573081890"/>
+        <p14:creationId xmlns:p14="http://schemas.microsoft.com/office/powerpoint/2010/main" val="532483200"/>
       </p:ext>
     </p:extLst>
   </p:cSld>
@@ -3445,10 +3446,10 @@
       </p:grpSpPr>
       <p:pic>
         <p:nvPicPr>
-          <p:cNvPr id="5" name="Рисунок 4">
-            <a:extLst>
-              <a:ext uri="{FF2B5EF4-FFF2-40B4-BE49-F238E27FC236}">
-                <a16:creationId xmlns:a16="http://schemas.microsoft.com/office/drawing/2014/main" id="{27BDAB44-944A-4F3C-B113-ED7EF9991390}"/>
+          <p:cNvPr id="3" name="Рисунок 2">
+            <a:extLst>
+              <a:ext uri="{FF2B5EF4-FFF2-40B4-BE49-F238E27FC236}">
+                <a16:creationId xmlns:a16="http://schemas.microsoft.com/office/drawing/2014/main" id="{CCFF74EB-3760-4DDD-870D-CFF4B46BCA12}"/>
               </a:ext>
             </a:extLst>
           </p:cNvPr>
@@ -3465,8 +3466,8 @@
         </p:blipFill>
         <p:spPr>
           <a:xfrm>
-            <a:off x="2595562" y="1219200"/>
-            <a:ext cx="7000875" cy="4419600"/>
+            <a:off x="2000250" y="1881187"/>
+            <a:ext cx="8191500" cy="3095625"/>
           </a:xfrm>
           <a:prstGeom prst="rect">
             <a:avLst/>
@@ -3476,7 +3477,67 @@
     </p:spTree>
     <p:extLst>
       <p:ext uri="{BB962C8B-B14F-4D97-AF65-F5344CB8AC3E}">
-        <p14:creationId xmlns:p14="http://schemas.microsoft.com/office/powerpoint/2010/main" val="1528289034"/>
+        <p14:creationId xmlns:p14="http://schemas.microsoft.com/office/powerpoint/2010/main" val="1994195414"/>
+      </p:ext>
+    </p:extLst>
+  </p:cSld>
+  <p:clrMapOvr>
+    <a:masterClrMapping/>
+  </p:clrMapOvr>
+</p:sld>
+</file>
+
+<file path=ppt/slides/slide4.xml><?xml version="1.0" encoding="utf-8"?>
+<p:sld xmlns:a="http://schemas.openxmlformats.org/drawingml/2006/main" xmlns:r="http://schemas.openxmlformats.org/officeDocument/2006/relationships" xmlns:p="http://schemas.openxmlformats.org/presentationml/2006/main">
+  <p:cSld>
+    <p:spTree>
+      <p:nvGrpSpPr>
+        <p:cNvPr id="1" name=""/>
+        <p:cNvGrpSpPr/>
+        <p:nvPr/>
+      </p:nvGrpSpPr>
+      <p:grpSpPr>
+        <a:xfrm>
+          <a:off x="0" y="0"/>
+          <a:ext cx="0" cy="0"/>
+          <a:chOff x="0" y="0"/>
+          <a:chExt cx="0" cy="0"/>
+        </a:xfrm>
+      </p:grpSpPr>
+      <p:pic>
+        <p:nvPicPr>
+          <p:cNvPr id="3" name="Рисунок 2">
+            <a:extLst>
+              <a:ext uri="{FF2B5EF4-FFF2-40B4-BE49-F238E27FC236}">
+                <a16:creationId xmlns:a16="http://schemas.microsoft.com/office/drawing/2014/main" id="{79526FDF-6251-457D-9151-73DEADEBE4DC}"/>
+              </a:ext>
+            </a:extLst>
+          </p:cNvPr>
+          <p:cNvPicPr>
+            <a:picLocks noChangeAspect="1"/>
+          </p:cNvPicPr>
+          <p:nvPr/>
+        </p:nvPicPr>
+        <p:blipFill>
+          <a:blip r:embed="rId2"/>
+          <a:stretch>
+            <a:fillRect/>
+          </a:stretch>
+        </p:blipFill>
+        <p:spPr>
+          <a:xfrm>
+            <a:off x="1590675" y="1476375"/>
+            <a:ext cx="9010650" cy="3905250"/>
+          </a:xfrm>
+          <a:prstGeom prst="rect">
+            <a:avLst/>
+          </a:prstGeom>
+        </p:spPr>
+      </p:pic>
+    </p:spTree>
+    <p:extLst>
+      <p:ext uri="{BB962C8B-B14F-4D97-AF65-F5344CB8AC3E}">
+        <p14:creationId xmlns:p14="http://schemas.microsoft.com/office/powerpoint/2010/main" val="2610763503"/>
       </p:ext>
     </p:extLst>
   </p:cSld>
